--- a/BookingClass.pptx
+++ b/BookingClass.pptx
@@ -108,6 +108,11 @@
       </a:defRPr>
     </a:lvl9pPr>
   </p:defaultTextStyle>
+  <p:extLst>
+    <p:ext uri="{EFAFB233-063F-42B5-8137-9DF3F51BA10A}">
+      <p15:sldGuideLst xmlns:p15="http://schemas.microsoft.com/office/powerpoint/2012/main"/>
+    </p:ext>
+  </p:extLst>
 </p:presentation>
 </file>
 
@@ -3700,7 +3705,7 @@
         </p:spPr>
         <p:txBody>
           <a:bodyPr>
-            <a:normAutofit fontScale="92500" lnSpcReduction="20000"/>
+            <a:normAutofit fontScale="85000" lnSpcReduction="20000"/>
           </a:bodyPr>
           <a:lstStyle/>
           <a:p>
@@ -3727,6 +3732,10 @@
               <a:rPr lang="es-CL" dirty="0"/>
               <a:t>Programación de aplicaciones móviles 005D (PGY4121_005D)</a:t>
             </a:r>
+          </a:p>
+          <a:p>
+            <a:pPr algn="l"/>
+            <a:endParaRPr lang="en-US" dirty="0"/>
           </a:p>
           <a:p>
             <a:pPr algn="l"/>
@@ -3827,6 +3836,81 @@
           </a:prstGeom>
         </p:spPr>
       </p:pic>
+      <p:pic>
+        <p:nvPicPr>
+          <p:cNvPr id="5" name="Imagen 4" descr="Logotipo">
+            <a:extLst>
+              <a:ext uri="{FF2B5EF4-FFF2-40B4-BE49-F238E27FC236}">
+                <a16:creationId xmlns:a16="http://schemas.microsoft.com/office/drawing/2014/main" id="{E9F82CE0-369E-3497-3FC2-42E15B3F908C}"/>
+              </a:ext>
+            </a:extLst>
+          </p:cNvPr>
+          <p:cNvPicPr>
+            <a:picLocks noChangeAspect="1"/>
+          </p:cNvPicPr>
+          <p:nvPr/>
+        </p:nvPicPr>
+        <p:blipFill>
+          <a:blip r:embed="rId3">
+            <a:extLst>
+              <a:ext uri="{28A0092B-C50C-407E-A947-70E740481C1C}">
+                <a14:useLocalDpi xmlns:a14="http://schemas.microsoft.com/office/drawing/2010/main" val="0"/>
+              </a:ext>
+            </a:extLst>
+          </a:blip>
+          <a:stretch>
+            <a:fillRect/>
+          </a:stretch>
+        </p:blipFill>
+        <p:spPr>
+          <a:xfrm>
+            <a:off x="406877" y="177651"/>
+            <a:ext cx="3378245" cy="831365"/>
+          </a:xfrm>
+          <a:prstGeom prst="rect">
+            <a:avLst/>
+          </a:prstGeom>
+        </p:spPr>
+      </p:pic>
+      <p:sp>
+        <p:nvSpPr>
+          <p:cNvPr id="6" name="CuadroTexto 5">
+            <a:extLst>
+              <a:ext uri="{FF2B5EF4-FFF2-40B4-BE49-F238E27FC236}">
+                <a16:creationId xmlns:a16="http://schemas.microsoft.com/office/drawing/2014/main" id="{A63F43C3-F022-CB2B-61B4-93A171265768}"/>
+              </a:ext>
+            </a:extLst>
+          </p:cNvPr>
+          <p:cNvSpPr txBox="1"/>
+          <p:nvPr/>
+        </p:nvSpPr>
+        <p:spPr>
+          <a:xfrm>
+            <a:off x="406877" y="1111727"/>
+            <a:ext cx="3378245" cy="646331"/>
+          </a:xfrm>
+          <a:prstGeom prst="rect">
+            <a:avLst/>
+          </a:prstGeom>
+          <a:noFill/>
+        </p:spPr>
+        <p:txBody>
+          <a:bodyPr wrap="square" rtlCol="0">
+            <a:spAutoFit/>
+          </a:bodyPr>
+          <a:lstStyle/>
+          <a:p>
+            <a:r>
+              <a:rPr lang="en-US" dirty="0"/>
+              <a:t>Escuela de informatica y </a:t>
+            </a:r>
+            <a:r>
+              <a:rPr lang="es-CL" dirty="0"/>
+              <a:t>telecomunicaciones</a:t>
+            </a:r>
+          </a:p>
+        </p:txBody>
+      </p:sp>
     </p:spTree>
     <p:extLst>
       <p:ext uri="{BB962C8B-B14F-4D97-AF65-F5344CB8AC3E}">
@@ -4013,6 +4097,42 @@
           <a:xfrm>
             <a:off x="7179632" y="2321224"/>
             <a:ext cx="3722902" cy="4169650"/>
+          </a:xfrm>
+          <a:prstGeom prst="rect">
+            <a:avLst/>
+          </a:prstGeom>
+        </p:spPr>
+      </p:pic>
+      <p:pic>
+        <p:nvPicPr>
+          <p:cNvPr id="4" name="Imagen 3" descr="Logotipo">
+            <a:extLst>
+              <a:ext uri="{FF2B5EF4-FFF2-40B4-BE49-F238E27FC236}">
+                <a16:creationId xmlns:a16="http://schemas.microsoft.com/office/drawing/2014/main" id="{58DB632E-DD69-B604-5337-70208B29F7E1}"/>
+              </a:ext>
+            </a:extLst>
+          </p:cNvPr>
+          <p:cNvPicPr>
+            <a:picLocks noChangeAspect="1"/>
+          </p:cNvPicPr>
+          <p:nvPr/>
+        </p:nvPicPr>
+        <p:blipFill>
+          <a:blip r:embed="rId6">
+            <a:extLst>
+              <a:ext uri="{28A0092B-C50C-407E-A947-70E740481C1C}">
+                <a14:useLocalDpi xmlns:a14="http://schemas.microsoft.com/office/drawing/2010/main" val="0"/>
+              </a:ext>
+            </a:extLst>
+          </a:blip>
+          <a:stretch>
+            <a:fillRect/>
+          </a:stretch>
+        </p:blipFill>
+        <p:spPr>
+          <a:xfrm>
+            <a:off x="8036513" y="365125"/>
+            <a:ext cx="3378245" cy="831365"/>
           </a:xfrm>
           <a:prstGeom prst="rect">
             <a:avLst/>
@@ -4107,6 +4227,42 @@
           </a:xfrm>
         </p:spPr>
       </p:pic>
+      <p:pic>
+        <p:nvPicPr>
+          <p:cNvPr id="3" name="Imagen 2" descr="Logotipo">
+            <a:extLst>
+              <a:ext uri="{FF2B5EF4-FFF2-40B4-BE49-F238E27FC236}">
+                <a16:creationId xmlns:a16="http://schemas.microsoft.com/office/drawing/2014/main" id="{93255B84-EDC6-CAFF-D124-3187E310601F}"/>
+              </a:ext>
+            </a:extLst>
+          </p:cNvPr>
+          <p:cNvPicPr>
+            <a:picLocks noChangeAspect="1"/>
+          </p:cNvPicPr>
+          <p:nvPr/>
+        </p:nvPicPr>
+        <p:blipFill>
+          <a:blip r:embed="rId3">
+            <a:extLst>
+              <a:ext uri="{28A0092B-C50C-407E-A947-70E740481C1C}">
+                <a14:useLocalDpi xmlns:a14="http://schemas.microsoft.com/office/drawing/2010/main" val="0"/>
+              </a:ext>
+            </a:extLst>
+          </a:blip>
+          <a:stretch>
+            <a:fillRect/>
+          </a:stretch>
+        </p:blipFill>
+        <p:spPr>
+          <a:xfrm>
+            <a:off x="8036513" y="365125"/>
+            <a:ext cx="3378245" cy="831365"/>
+          </a:xfrm>
+          <a:prstGeom prst="rect">
+            <a:avLst/>
+          </a:prstGeom>
+        </p:spPr>
+      </p:pic>
     </p:spTree>
     <p:extLst>
       <p:ext uri="{BB962C8B-B14F-4D97-AF65-F5344CB8AC3E}">
@@ -4193,6 +4349,42 @@
             <a:off x="995872" y="1690688"/>
             <a:ext cx="10200256" cy="4351338"/>
           </a:xfrm>
+        </p:spPr>
+      </p:pic>
+      <p:pic>
+        <p:nvPicPr>
+          <p:cNvPr id="3" name="Imagen 2" descr="Logotipo">
+            <a:extLst>
+              <a:ext uri="{FF2B5EF4-FFF2-40B4-BE49-F238E27FC236}">
+                <a16:creationId xmlns:a16="http://schemas.microsoft.com/office/drawing/2014/main" id="{1C87BE30-D059-D6B5-743F-FB333345F46A}"/>
+              </a:ext>
+            </a:extLst>
+          </p:cNvPr>
+          <p:cNvPicPr>
+            <a:picLocks noChangeAspect="1"/>
+          </p:cNvPicPr>
+          <p:nvPr/>
+        </p:nvPicPr>
+        <p:blipFill>
+          <a:blip r:embed="rId3">
+            <a:extLst>
+              <a:ext uri="{28A0092B-C50C-407E-A947-70E740481C1C}">
+                <a14:useLocalDpi xmlns:a14="http://schemas.microsoft.com/office/drawing/2010/main" val="0"/>
+              </a:ext>
+            </a:extLst>
+          </a:blip>
+          <a:stretch>
+            <a:fillRect/>
+          </a:stretch>
+        </p:blipFill>
+        <p:spPr>
+          <a:xfrm>
+            <a:off x="8122127" y="365125"/>
+            <a:ext cx="3378245" cy="831365"/>
+          </a:xfrm>
+          <a:prstGeom prst="rect">
+            <a:avLst/>
+          </a:prstGeom>
         </p:spPr>
       </p:pic>
     </p:spTree>
@@ -4285,8 +4477,8 @@
         </p:blipFill>
         <p:spPr bwMode="auto">
           <a:xfrm>
-            <a:off x="1971996" y="1319192"/>
-            <a:ext cx="8248007" cy="5538808"/>
+            <a:off x="2086136" y="1319192"/>
+            <a:ext cx="8019728" cy="5385511"/>
           </a:xfrm>
           <a:prstGeom prst="rect">
             <a:avLst/>
@@ -4301,6 +4493,42 @@
               </a14:hiddenFill>
             </a:ext>
           </a:extLst>
+        </p:spPr>
+      </p:pic>
+      <p:pic>
+        <p:nvPicPr>
+          <p:cNvPr id="3" name="Imagen 2" descr="Logotipo">
+            <a:extLst>
+              <a:ext uri="{FF2B5EF4-FFF2-40B4-BE49-F238E27FC236}">
+                <a16:creationId xmlns:a16="http://schemas.microsoft.com/office/drawing/2014/main" id="{4F4395DB-4877-AA38-8F61-71C0FDEA4588}"/>
+              </a:ext>
+            </a:extLst>
+          </p:cNvPr>
+          <p:cNvPicPr>
+            <a:picLocks noChangeAspect="1"/>
+          </p:cNvPicPr>
+          <p:nvPr/>
+        </p:nvPicPr>
+        <p:blipFill>
+          <a:blip r:embed="rId3">
+            <a:extLst>
+              <a:ext uri="{28A0092B-C50C-407E-A947-70E740481C1C}">
+                <a14:useLocalDpi xmlns:a14="http://schemas.microsoft.com/office/drawing/2010/main" val="0"/>
+              </a:ext>
+            </a:extLst>
+          </a:blip>
+          <a:stretch>
+            <a:fillRect/>
+          </a:stretch>
+        </p:blipFill>
+        <p:spPr>
+          <a:xfrm>
+            <a:off x="8036513" y="330200"/>
+            <a:ext cx="3378245" cy="831365"/>
+          </a:xfrm>
+          <a:prstGeom prst="rect">
+            <a:avLst/>
+          </a:prstGeom>
         </p:spPr>
       </p:pic>
     </p:spTree>

--- a/BookingClass.pptx
+++ b/BookingClass.pptx
@@ -10,6 +10,7 @@
     <p:sldId id="258" r:id="rId4"/>
     <p:sldId id="259" r:id="rId5"/>
     <p:sldId id="260" r:id="rId6"/>
+    <p:sldId id="261" r:id="rId7"/>
   </p:sldIdLst>
   <p:sldSz cx="12192000" cy="6858000"/>
   <p:notesSz cx="6858000" cy="9144000"/>
@@ -265,7 +266,7 @@
           <a:p>
             <a:fld id="{3657AA7F-BE72-4467-897E-7A302F46504F}" type="datetimeFigureOut">
               <a:rPr lang="en-US" smtClean="0"/>
-              <a:t>9/8/2022</a:t>
+              <a:t>9/9/2022</a:t>
             </a:fld>
             <a:endParaRPr lang="en-US"/>
           </a:p>
@@ -464,7 +465,7 @@
           <a:p>
             <a:fld id="{3657AA7F-BE72-4467-897E-7A302F46504F}" type="datetimeFigureOut">
               <a:rPr lang="en-US" smtClean="0"/>
-              <a:t>9/8/2022</a:t>
+              <a:t>9/9/2022</a:t>
             </a:fld>
             <a:endParaRPr lang="en-US"/>
           </a:p>
@@ -673,7 +674,7 @@
           <a:p>
             <a:fld id="{3657AA7F-BE72-4467-897E-7A302F46504F}" type="datetimeFigureOut">
               <a:rPr lang="en-US" smtClean="0"/>
-              <a:t>9/8/2022</a:t>
+              <a:t>9/9/2022</a:t>
             </a:fld>
             <a:endParaRPr lang="en-US"/>
           </a:p>
@@ -872,7 +873,7 @@
           <a:p>
             <a:fld id="{3657AA7F-BE72-4467-897E-7A302F46504F}" type="datetimeFigureOut">
               <a:rPr lang="en-US" smtClean="0"/>
-              <a:t>9/8/2022</a:t>
+              <a:t>9/9/2022</a:t>
             </a:fld>
             <a:endParaRPr lang="en-US"/>
           </a:p>
@@ -1150,7 +1151,7 @@
           <a:p>
             <a:fld id="{3657AA7F-BE72-4467-897E-7A302F46504F}" type="datetimeFigureOut">
               <a:rPr lang="en-US" smtClean="0"/>
-              <a:t>9/8/2022</a:t>
+              <a:t>9/9/2022</a:t>
             </a:fld>
             <a:endParaRPr lang="en-US"/>
           </a:p>
@@ -1417,7 +1418,7 @@
           <a:p>
             <a:fld id="{3657AA7F-BE72-4467-897E-7A302F46504F}" type="datetimeFigureOut">
               <a:rPr lang="en-US" smtClean="0"/>
-              <a:t>9/8/2022</a:t>
+              <a:t>9/9/2022</a:t>
             </a:fld>
             <a:endParaRPr lang="en-US"/>
           </a:p>
@@ -1831,7 +1832,7 @@
           <a:p>
             <a:fld id="{3657AA7F-BE72-4467-897E-7A302F46504F}" type="datetimeFigureOut">
               <a:rPr lang="en-US" smtClean="0"/>
-              <a:t>9/8/2022</a:t>
+              <a:t>9/9/2022</a:t>
             </a:fld>
             <a:endParaRPr lang="en-US"/>
           </a:p>
@@ -1972,7 +1973,7 @@
           <a:p>
             <a:fld id="{3657AA7F-BE72-4467-897E-7A302F46504F}" type="datetimeFigureOut">
               <a:rPr lang="en-US" smtClean="0"/>
-              <a:t>9/8/2022</a:t>
+              <a:t>9/9/2022</a:t>
             </a:fld>
             <a:endParaRPr lang="en-US"/>
           </a:p>
@@ -2085,7 +2086,7 @@
           <a:p>
             <a:fld id="{3657AA7F-BE72-4467-897E-7A302F46504F}" type="datetimeFigureOut">
               <a:rPr lang="en-US" smtClean="0"/>
-              <a:t>9/8/2022</a:t>
+              <a:t>9/9/2022</a:t>
             </a:fld>
             <a:endParaRPr lang="en-US"/>
           </a:p>
@@ -2401,7 +2402,7 @@
           <a:p>
             <a:fld id="{3657AA7F-BE72-4467-897E-7A302F46504F}" type="datetimeFigureOut">
               <a:rPr lang="en-US" smtClean="0"/>
-              <a:t>9/8/2022</a:t>
+              <a:t>9/9/2022</a:t>
             </a:fld>
             <a:endParaRPr lang="en-US"/>
           </a:p>
@@ -2695,7 +2696,7 @@
           <a:p>
             <a:fld id="{3657AA7F-BE72-4467-897E-7A302F46504F}" type="datetimeFigureOut">
               <a:rPr lang="en-US" smtClean="0"/>
-              <a:t>9/8/2022</a:t>
+              <a:t>9/9/2022</a:t>
             </a:fld>
             <a:endParaRPr lang="en-US"/>
           </a:p>
@@ -3051,7 +3052,7 @@
             <a:fld id="{3657AA7F-BE72-4467-897E-7A302F46504F}" type="datetimeFigureOut">
               <a:rPr lang="en-US" smtClean="0"/>
               <a:pPr/>
-              <a:t>9/8/2022</a:t>
+              <a:t>9/9/2022</a:t>
             </a:fld>
             <a:endParaRPr lang="en-US" dirty="0"/>
           </a:p>
@@ -4035,7 +4036,7 @@
         </p:blipFill>
         <p:spPr>
           <a:xfrm>
-            <a:off x="777240" y="2323225"/>
+            <a:off x="432585" y="2321224"/>
             <a:ext cx="3512892" cy="4169650"/>
           </a:xfrm>
           <a:prstGeom prst="rect">
@@ -4045,10 +4046,10 @@
       </p:pic>
       <p:pic>
         <p:nvPicPr>
-          <p:cNvPr id="7" name="Imagen 6">
-            <a:extLst>
-              <a:ext uri="{FF2B5EF4-FFF2-40B4-BE49-F238E27FC236}">
-                <a16:creationId xmlns:a16="http://schemas.microsoft.com/office/drawing/2014/main" id="{93335664-F0E1-2AC4-3FE4-34310F96A6B9}"/>
+          <p:cNvPr id="9" name="Imagen 8">
+            <a:extLst>
+              <a:ext uri="{FF2B5EF4-FFF2-40B4-BE49-F238E27FC236}">
+                <a16:creationId xmlns:a16="http://schemas.microsoft.com/office/drawing/2014/main" id="{46DD00DC-F74B-0DDA-993D-CB3659C85037}"/>
               </a:ext>
             </a:extLst>
           </p:cNvPr>
@@ -4065,37 +4066,7 @@
         </p:blipFill>
         <p:spPr>
           <a:xfrm>
-            <a:off x="4589796" y="2323225"/>
-            <a:ext cx="1950963" cy="4167649"/>
-          </a:xfrm>
-          <a:prstGeom prst="rect">
-            <a:avLst/>
-          </a:prstGeom>
-        </p:spPr>
-      </p:pic>
-      <p:pic>
-        <p:nvPicPr>
-          <p:cNvPr id="9" name="Imagen 8">
-            <a:extLst>
-              <a:ext uri="{FF2B5EF4-FFF2-40B4-BE49-F238E27FC236}">
-                <a16:creationId xmlns:a16="http://schemas.microsoft.com/office/drawing/2014/main" id="{46DD00DC-F74B-0DDA-993D-CB3659C85037}"/>
-              </a:ext>
-            </a:extLst>
-          </p:cNvPr>
-          <p:cNvPicPr>
-            <a:picLocks noChangeAspect="1"/>
-          </p:cNvPicPr>
-          <p:nvPr/>
-        </p:nvPicPr>
-        <p:blipFill>
-          <a:blip r:embed="rId5"/>
-          <a:stretch>
-            <a:fillRect/>
-          </a:stretch>
-        </p:blipFill>
-        <p:spPr>
-          <a:xfrm>
-            <a:off x="7179632" y="2321224"/>
+            <a:off x="8246525" y="2319223"/>
             <a:ext cx="3722902" cy="4169650"/>
           </a:xfrm>
           <a:prstGeom prst="rect">
@@ -4118,7 +4089,7 @@
           <p:nvPr/>
         </p:nvPicPr>
         <p:blipFill>
-          <a:blip r:embed="rId6">
+          <a:blip r:embed="rId5">
             <a:extLst>
               <a:ext uri="{28A0092B-C50C-407E-A947-70E740481C1C}">
                 <a14:useLocalDpi xmlns:a14="http://schemas.microsoft.com/office/drawing/2010/main" val="0"/>
@@ -4133,6 +4104,66 @@
           <a:xfrm>
             <a:off x="8036513" y="365125"/>
             <a:ext cx="3378245" cy="831365"/>
+          </a:xfrm>
+          <a:prstGeom prst="rect">
+            <a:avLst/>
+          </a:prstGeom>
+        </p:spPr>
+      </p:pic>
+      <p:pic>
+        <p:nvPicPr>
+          <p:cNvPr id="11" name="Imagen 10">
+            <a:extLst>
+              <a:ext uri="{FF2B5EF4-FFF2-40B4-BE49-F238E27FC236}">
+                <a16:creationId xmlns:a16="http://schemas.microsoft.com/office/drawing/2014/main" id="{90B2A309-5D3D-B299-9926-BB4F284AFABD}"/>
+              </a:ext>
+            </a:extLst>
+          </p:cNvPr>
+          <p:cNvPicPr>
+            <a:picLocks noChangeAspect="1"/>
+          </p:cNvPicPr>
+          <p:nvPr/>
+        </p:nvPicPr>
+        <p:blipFill>
+          <a:blip r:embed="rId6"/>
+          <a:stretch>
+            <a:fillRect/>
+          </a:stretch>
+        </p:blipFill>
+        <p:spPr>
+          <a:xfrm>
+            <a:off x="6048558" y="2319223"/>
+            <a:ext cx="2145628" cy="4167649"/>
+          </a:xfrm>
+          <a:prstGeom prst="rect">
+            <a:avLst/>
+          </a:prstGeom>
+        </p:spPr>
+      </p:pic>
+      <p:pic>
+        <p:nvPicPr>
+          <p:cNvPr id="13" name="Imagen 12">
+            <a:extLst>
+              <a:ext uri="{FF2B5EF4-FFF2-40B4-BE49-F238E27FC236}">
+                <a16:creationId xmlns:a16="http://schemas.microsoft.com/office/drawing/2014/main" id="{3BE11835-F48A-0BA6-2C79-5EA2FA2C39DB}"/>
+              </a:ext>
+            </a:extLst>
+          </p:cNvPr>
+          <p:cNvPicPr>
+            <a:picLocks noChangeAspect="1"/>
+          </p:cNvPicPr>
+          <p:nvPr/>
+        </p:nvPicPr>
+        <p:blipFill>
+          <a:blip r:embed="rId7"/>
+          <a:stretch>
+            <a:fillRect/>
+          </a:stretch>
+        </p:blipFill>
+        <p:spPr>
+          <a:xfrm>
+            <a:off x="3988101" y="2246637"/>
+            <a:ext cx="2060457" cy="4312820"/>
           </a:xfrm>
           <a:prstGeom prst="rect">
             <a:avLst/>
@@ -4448,55 +4479,6 @@
       </p:sp>
       <p:pic>
         <p:nvPicPr>
-          <p:cNvPr id="1026" name="Picture 2">
-            <a:extLst>
-              <a:ext uri="{FF2B5EF4-FFF2-40B4-BE49-F238E27FC236}">
-                <a16:creationId xmlns:a16="http://schemas.microsoft.com/office/drawing/2014/main" id="{2C2E771E-4E79-F2F9-9BBE-EBB1936DA699}"/>
-              </a:ext>
-            </a:extLst>
-          </p:cNvPr>
-          <p:cNvPicPr>
-            <a:picLocks noGrp="1" noChangeAspect="1" noChangeArrowheads="1"/>
-          </p:cNvPicPr>
-          <p:nvPr>
-            <p:ph idx="1"/>
-          </p:nvPr>
-        </p:nvPicPr>
-        <p:blipFill>
-          <a:blip r:embed="rId2">
-            <a:extLst>
-              <a:ext uri="{28A0092B-C50C-407E-A947-70E740481C1C}">
-                <a14:useLocalDpi xmlns:a14="http://schemas.microsoft.com/office/drawing/2010/main" val="0"/>
-              </a:ext>
-            </a:extLst>
-          </a:blip>
-          <a:srcRect/>
-          <a:stretch>
-            <a:fillRect/>
-          </a:stretch>
-        </p:blipFill>
-        <p:spPr bwMode="auto">
-          <a:xfrm>
-            <a:off x="2086136" y="1319192"/>
-            <a:ext cx="8019728" cy="5385511"/>
-          </a:xfrm>
-          <a:prstGeom prst="rect">
-            <a:avLst/>
-          </a:prstGeom>
-          <a:noFill/>
-          <a:extLst>
-            <a:ext uri="{909E8E84-426E-40DD-AFC4-6F175D3DCCD1}">
-              <a14:hiddenFill xmlns:a14="http://schemas.microsoft.com/office/drawing/2010/main">
-                <a:solidFill>
-                  <a:srgbClr val="FFFFFF"/>
-                </a:solidFill>
-              </a14:hiddenFill>
-            </a:ext>
-          </a:extLst>
-        </p:spPr>
-      </p:pic>
-      <p:pic>
-        <p:nvPicPr>
           <p:cNvPr id="3" name="Imagen 2" descr="Logotipo">
             <a:extLst>
               <a:ext uri="{FF2B5EF4-FFF2-40B4-BE49-F238E27FC236}">
@@ -4510,7 +4492,7 @@
           <p:nvPr/>
         </p:nvPicPr>
         <p:blipFill>
-          <a:blip r:embed="rId3">
+          <a:blip r:embed="rId2">
             <a:extLst>
               <a:ext uri="{28A0092B-C50C-407E-A947-70E740481C1C}">
                 <a14:useLocalDpi xmlns:a14="http://schemas.microsoft.com/office/drawing/2010/main" val="0"/>
@@ -4531,10 +4513,135 @@
           </a:prstGeom>
         </p:spPr>
       </p:pic>
+      <p:pic>
+        <p:nvPicPr>
+          <p:cNvPr id="6" name="Marcador de contenido 5" descr="Diagrama&#10;&#10;Descripción generada automáticamente">
+            <a:extLst>
+              <a:ext uri="{FF2B5EF4-FFF2-40B4-BE49-F238E27FC236}">
+                <a16:creationId xmlns:a16="http://schemas.microsoft.com/office/drawing/2014/main" id="{D950F483-DC0D-C056-77C2-28983AB48DCD}"/>
+              </a:ext>
+            </a:extLst>
+          </p:cNvPr>
+          <p:cNvPicPr>
+            <a:picLocks noGrp="1" noChangeAspect="1"/>
+          </p:cNvPicPr>
+          <p:nvPr>
+            <p:ph idx="1"/>
+          </p:nvPr>
+        </p:nvPicPr>
+        <p:blipFill>
+          <a:blip r:embed="rId3">
+            <a:extLst>
+              <a:ext uri="{28A0092B-C50C-407E-A947-70E740481C1C}">
+                <a14:useLocalDpi xmlns:a14="http://schemas.microsoft.com/office/drawing/2010/main" val="0"/>
+              </a:ext>
+            </a:extLst>
+          </a:blip>
+          <a:stretch>
+            <a:fillRect/>
+          </a:stretch>
+        </p:blipFill>
+        <p:spPr>
+          <a:xfrm>
+            <a:off x="2518175" y="1405386"/>
+            <a:ext cx="7754828" cy="5452614"/>
+          </a:xfrm>
+        </p:spPr>
+      </p:pic>
     </p:spTree>
     <p:extLst>
       <p:ext uri="{BB962C8B-B14F-4D97-AF65-F5344CB8AC3E}">
         <p14:creationId xmlns:p14="http://schemas.microsoft.com/office/powerpoint/2010/main" val="1876346264"/>
+      </p:ext>
+    </p:extLst>
+  </p:cSld>
+  <p:clrMapOvr>
+    <a:masterClrMapping/>
+  </p:clrMapOvr>
+</p:sld>
+</file>
+
+<file path=ppt/slides/slide6.xml><?xml version="1.0" encoding="utf-8"?>
+<p:sld xmlns:a="http://schemas.openxmlformats.org/drawingml/2006/main" xmlns:r="http://schemas.openxmlformats.org/officeDocument/2006/relationships" xmlns:p="http://schemas.openxmlformats.org/presentationml/2006/main">
+  <p:cSld>
+    <p:spTree>
+      <p:nvGrpSpPr>
+        <p:cNvPr id="1" name=""/>
+        <p:cNvGrpSpPr/>
+        <p:nvPr/>
+      </p:nvGrpSpPr>
+      <p:grpSpPr>
+        <a:xfrm>
+          <a:off x="0" y="0"/>
+          <a:ext cx="0" cy="0"/>
+          <a:chOff x="0" y="0"/>
+          <a:chExt cx="0" cy="0"/>
+        </a:xfrm>
+      </p:grpSpPr>
+      <p:sp>
+        <p:nvSpPr>
+          <p:cNvPr id="2" name="Título 1">
+            <a:extLst>
+              <a:ext uri="{FF2B5EF4-FFF2-40B4-BE49-F238E27FC236}">
+                <a16:creationId xmlns:a16="http://schemas.microsoft.com/office/drawing/2014/main" id="{C265DFE7-50C4-D920-94D6-C6BC9AEE412D}"/>
+              </a:ext>
+            </a:extLst>
+          </p:cNvPr>
+          <p:cNvSpPr>
+            <a:spLocks noGrp="1"/>
+          </p:cNvSpPr>
+          <p:nvPr>
+            <p:ph type="title"/>
+          </p:nvPr>
+        </p:nvSpPr>
+        <p:spPr/>
+        <p:txBody>
+          <a:bodyPr/>
+          <a:lstStyle/>
+          <a:p>
+            <a:r>
+              <a:rPr lang="es-CL" dirty="0"/>
+              <a:t>Repositorio</a:t>
+            </a:r>
+            <a:endParaRPr lang="en-US" dirty="0"/>
+          </a:p>
+        </p:txBody>
+      </p:sp>
+      <p:sp>
+        <p:nvSpPr>
+          <p:cNvPr id="3" name="Marcador de contenido 2">
+            <a:extLst>
+              <a:ext uri="{FF2B5EF4-FFF2-40B4-BE49-F238E27FC236}">
+                <a16:creationId xmlns:a16="http://schemas.microsoft.com/office/drawing/2014/main" id="{67922F44-FB76-7602-F521-60195240EC43}"/>
+              </a:ext>
+            </a:extLst>
+          </p:cNvPr>
+          <p:cNvSpPr>
+            <a:spLocks noGrp="1"/>
+          </p:cNvSpPr>
+          <p:nvPr>
+            <p:ph idx="1"/>
+          </p:nvPr>
+        </p:nvSpPr>
+        <p:spPr/>
+        <p:txBody>
+          <a:bodyPr/>
+          <a:lstStyle/>
+          <a:p>
+            <a:r>
+              <a:rPr lang="es-CL" dirty="0">
+                <a:hlinkClick r:id="rId2"/>
+              </a:rPr>
+              <a:t>Link repositorio</a:t>
+            </a:r>
+            <a:endParaRPr lang="en-US" dirty="0"/>
+          </a:p>
+        </p:txBody>
+      </p:sp>
+    </p:spTree>
+    <p:extLst>
+      <p:ext uri="{BB962C8B-B14F-4D97-AF65-F5344CB8AC3E}">
+        <p14:creationId xmlns:p14="http://schemas.microsoft.com/office/powerpoint/2010/main" val="3069226000"/>
       </p:ext>
     </p:extLst>
   </p:cSld>
